--- a/Teaching/Chemistry/Lecture Slides/FCC Chem 3A Chap 11 Content.pptx
+++ b/Teaching/Chemistry/Lecture Slides/FCC Chem 3A Chap 11 Content.pptx
@@ -17180,8 +17180,8 @@
           </a:p>
         </p:txBody>
       </p:sp>
-      <mc:AlternateContent xmlns:mc="http://schemas.openxmlformats.org/markup-compatibility/2006">
-        <mc:Choice xmlns:a14="http://schemas.microsoft.com/office/drawing/2010/main" Requires="a14">
+      <mc:AlternateContent xmlns:mc="http://schemas.openxmlformats.org/markup-compatibility/2006" xmlns:a14="http://schemas.microsoft.com/office/drawing/2010/main">
+        <mc:Choice Requires="a14">
           <p:sp>
             <p:nvSpPr>
               <p:cNvPr id="3" name="Content Placeholder 2">
@@ -17782,7 +17782,7 @@
                     <m:f>
                       <m:fPr>
                         <m:ctrlPr>
-                          <a:rPr lang="en-US" sz="1600">
+                          <a:rPr lang="en-US" sz="1600" i="1">
                             <a:solidFill>
                               <a:srgbClr val="FFFF00"/>
                             </a:solidFill>
@@ -18029,7 +18029,7 @@
                       <m:f>
                         <m:fPr>
                           <m:ctrlPr>
-                            <a:rPr lang="en-US" sz="1800" b="0" dirty="0" smtClean="0">
+                            <a:rPr lang="en-US" sz="1800" b="0" i="1" dirty="0" smtClean="0">
                               <a:solidFill>
                                 <a:srgbClr val="FFFF00"/>
                               </a:solidFill>
@@ -18204,7 +18204,7 @@
             </p:txBody>
           </p:sp>
         </mc:Choice>
-        <mc:Fallback>
+        <mc:Fallback xmlns="">
           <p:sp>
             <p:nvSpPr>
               <p:cNvPr id="3" name="Content Placeholder 2">
@@ -18347,17 +18347,40 @@
               <a:buNone/>
             </a:pPr>
             <a:r>
-              <a:rPr lang="en-US" b="1" dirty="0">
-                <a:solidFill>
-                  <a:srgbClr val="FFC000"/>
-                </a:solidFill>
+              <a:rPr lang="en-US" dirty="0">
                 <a:sym typeface="Wingdings" panose="05000000000000000000" pitchFamily="2" charset="2"/>
               </a:rPr>
-              <a:t>25.66</a:t>
-            </a:r>
-            <a:endParaRPr lang="en-US" dirty="0">
-              <a:sym typeface="Wingdings" panose="05000000000000000000" pitchFamily="2" charset="2"/>
-            </a:endParaRPr>
+              <a:t>Titrations would usually be done using strong acids or bases in a </a:t>
+            </a:r>
+            <a:r>
+              <a:rPr lang="en-US" dirty="0" err="1">
+                <a:sym typeface="Wingdings" panose="05000000000000000000" pitchFamily="2" charset="2"/>
+              </a:rPr>
+              <a:t>buret</a:t>
+            </a:r>
+            <a:r>
+              <a:rPr lang="en-US" dirty="0">
+                <a:sym typeface="Wingdings" panose="05000000000000000000" pitchFamily="2" charset="2"/>
+              </a:rPr>
+              <a:t> to quantify levels of a weak acid or weak base with a pH indicator to indicate a transition from one delineating pH to another (such from acidic to neutral to basic or the other way around</a:t>
+            </a:r>
+          </a:p>
+          <a:p>
+            <a:pPr marL="0" indent="0">
+              <a:buNone/>
+            </a:pPr>
+            <a:r>
+              <a:rPr lang="en-US">
+                <a:sym typeface="Wingdings" panose="05000000000000000000" pitchFamily="2" charset="2"/>
+              </a:rPr>
+              <a:t>Indicator will used </a:t>
+            </a:r>
+            <a:r>
+              <a:rPr lang="en-US" dirty="0">
+                <a:sym typeface="Wingdings" panose="05000000000000000000" pitchFamily="2" charset="2"/>
+              </a:rPr>
+              <a:t>in the Determination of Citric Acid Levels in a Soft Drink laboratory experiment</a:t>
+            </a:r>
           </a:p>
         </p:txBody>
       </p:sp>
@@ -18383,7 +18406,7 @@
         </p:blipFill>
         <p:spPr>
           <a:xfrm>
-            <a:off x="510257" y="3325343"/>
+            <a:off x="510257" y="4547968"/>
             <a:ext cx="8078327" cy="1886213"/>
           </a:xfrm>
           <a:prstGeom prst="rect">
@@ -19272,8 +19295,8 @@
           </a:p>
         </p:txBody>
       </p:sp>
-      <mc:AlternateContent xmlns:mc="http://schemas.openxmlformats.org/markup-compatibility/2006">
-        <mc:Choice xmlns:a14="http://schemas.microsoft.com/office/drawing/2010/main" Requires="a14">
+      <mc:AlternateContent xmlns:mc="http://schemas.openxmlformats.org/markup-compatibility/2006" xmlns:a14="http://schemas.microsoft.com/office/drawing/2010/main">
+        <mc:Choice Requires="a14">
           <p:sp>
             <p:nvSpPr>
               <p:cNvPr id="3" name="Content Placeholder 2">
@@ -19993,16 +20016,7 @@
                             </a:solidFill>
                             <a:latin typeface="Cambria Math" panose="02040503050406030204" pitchFamily="18" charset="0"/>
                           </a:rPr>
-                          <m:t>1</m:t>
-                        </m:r>
-                        <m:r>
-                          <a:rPr lang="en-US" sz="1600" b="0" i="0" smtClean="0">
-                            <a:solidFill>
-                              <a:srgbClr val="FFFF00"/>
-                            </a:solidFill>
-                            <a:latin typeface="Cambria Math" panose="02040503050406030204" pitchFamily="18" charset="0"/>
-                          </a:rPr>
-                          <m:t> </m:t>
+                          <m:t>1 </m:t>
                         </m:r>
                         <m:r>
                           <m:rPr>
@@ -20214,25 +20228,7 @@
                             </a:solidFill>
                             <a:latin typeface="Cambria Math" panose="02040503050406030204" pitchFamily="18" charset="0"/>
                           </a:rPr>
-                          <m:t>1</m:t>
-                        </m:r>
-                        <m:r>
-                          <a:rPr lang="en-US" sz="1600" b="0" i="0" smtClean="0">
-                            <a:solidFill>
-                              <a:srgbClr val="FFFF00"/>
-                            </a:solidFill>
-                            <a:latin typeface="Cambria Math" panose="02040503050406030204" pitchFamily="18" charset="0"/>
-                          </a:rPr>
-                          <m:t>1</m:t>
-                        </m:r>
-                        <m:r>
-                          <a:rPr lang="en-US" sz="1600" b="0" i="0" smtClean="0">
-                            <a:solidFill>
-                              <a:srgbClr val="FFFF00"/>
-                            </a:solidFill>
-                            <a:latin typeface="Cambria Math" panose="02040503050406030204" pitchFamily="18" charset="0"/>
-                          </a:rPr>
-                          <m:t> </m:t>
+                          <m:t>11 </m:t>
                         </m:r>
                         <m:r>
                           <m:rPr>
@@ -20285,16 +20281,7 @@
                             </a:solidFill>
                             <a:latin typeface="Cambria Math" panose="02040503050406030204" pitchFamily="18" charset="0"/>
                           </a:rPr>
-                          <m:t>4</m:t>
-                        </m:r>
-                        <m:r>
-                          <a:rPr lang="en-US" sz="1600" b="0" i="0" smtClean="0">
-                            <a:solidFill>
-                              <a:srgbClr val="FFFF00"/>
-                            </a:solidFill>
-                            <a:latin typeface="Cambria Math" panose="02040503050406030204" pitchFamily="18" charset="0"/>
-                          </a:rPr>
-                          <m:t> </m:t>
+                          <m:t>4 </m:t>
                         </m:r>
                         <m:r>
                           <m:rPr>
@@ -20667,18 +20654,7 @@
                               <a:ea typeface="Cambria Math" panose="02040503050406030204" pitchFamily="18" charset="0"/>
                               <a:sym typeface="Wingdings" panose="05000000000000000000" pitchFamily="2" charset="2"/>
                             </a:rPr>
-                            <m:t>32.00</m:t>
-                          </m:r>
-                          <m:r>
-                            <a:rPr lang="en-US" sz="1600" b="0" i="0" dirty="0" smtClean="0">
-                              <a:solidFill>
-                                <a:srgbClr val="FFFF00"/>
-                              </a:solidFill>
-                              <a:latin typeface="Cambria Math" panose="02040503050406030204" pitchFamily="18" charset="0"/>
-                              <a:ea typeface="Cambria Math" panose="02040503050406030204" pitchFamily="18" charset="0"/>
-                              <a:sym typeface="Wingdings" panose="05000000000000000000" pitchFamily="2" charset="2"/>
-                            </a:rPr>
-                            <m:t> </m:t>
+                            <m:t>32.00 </m:t>
                           </m:r>
                           <m:r>
                             <m:rPr>
@@ -20741,29 +20717,7 @@
                           <a:ea typeface="Cambria Math" panose="02040503050406030204" pitchFamily="18" charset="0"/>
                           <a:sym typeface="Wingdings" panose="05000000000000000000" pitchFamily="2" charset="2"/>
                         </a:rPr>
-                        <m:t>=</m:t>
-                      </m:r>
-                      <m:r>
-                        <a:rPr lang="en-US" sz="1600" b="0" i="0" dirty="0" smtClean="0">
-                          <a:solidFill>
-                            <a:srgbClr val="FFFF00"/>
-                          </a:solidFill>
-                          <a:latin typeface="Cambria Math" panose="02040503050406030204" pitchFamily="18" charset="0"/>
-                          <a:ea typeface="Cambria Math" panose="02040503050406030204" pitchFamily="18" charset="0"/>
-                          <a:sym typeface="Wingdings" panose="05000000000000000000" pitchFamily="2" charset="2"/>
-                        </a:rPr>
-                        <m:t>1.53</m:t>
-                      </m:r>
-                      <m:r>
-                        <a:rPr lang="en-US" sz="1600" b="0" i="0" dirty="0" smtClean="0">
-                          <a:solidFill>
-                            <a:srgbClr val="FFFF00"/>
-                          </a:solidFill>
-                          <a:latin typeface="Cambria Math" panose="02040503050406030204" pitchFamily="18" charset="0"/>
-                          <a:ea typeface="Cambria Math" panose="02040503050406030204" pitchFamily="18" charset="0"/>
-                          <a:sym typeface="Wingdings" panose="05000000000000000000" pitchFamily="2" charset="2"/>
-                        </a:rPr>
-                        <m:t> </m:t>
+                        <m:t>=1.53 </m:t>
                       </m:r>
                       <m:r>
                         <m:rPr>
@@ -21899,7 +21853,7 @@
             </p:txBody>
           </p:sp>
         </mc:Choice>
-        <mc:Fallback>
+        <mc:Fallback xmlns="">
           <p:sp>
             <p:nvSpPr>
               <p:cNvPr id="3" name="Content Placeholder 2">
@@ -22012,8 +21966,8 @@
           </a:p>
         </p:txBody>
       </p:sp>
-      <mc:AlternateContent xmlns:mc="http://schemas.openxmlformats.org/markup-compatibility/2006">
-        <mc:Choice xmlns:a14="http://schemas.microsoft.com/office/drawing/2010/main" Requires="a14">
+      <mc:AlternateContent xmlns:mc="http://schemas.openxmlformats.org/markup-compatibility/2006" xmlns:a14="http://schemas.microsoft.com/office/drawing/2010/main">
+        <mc:Choice Requires="a14">
           <p:sp>
             <p:nvSpPr>
               <p:cNvPr id="3" name="Content Placeholder 2">
@@ -22465,7 +22419,19 @@
                               </a:solidFill>
                               <a:latin typeface="Cambria Math" panose="02040503050406030204" pitchFamily="18" charset="0"/>
                             </a:rPr>
-                            <m:t>1</m:t>
+                            <m:t>1 </m:t>
+                          </m:r>
+                          <m:r>
+                            <m:rPr>
+                              <m:sty m:val="p"/>
+                            </m:rPr>
+                            <a:rPr lang="en-US" sz="1600" b="0" i="0" smtClean="0">
+                              <a:solidFill>
+                                <a:srgbClr val="FFFF00"/>
+                              </a:solidFill>
+                              <a:latin typeface="Cambria Math" panose="02040503050406030204" pitchFamily="18" charset="0"/>
+                            </a:rPr>
+                            <m:t>mol</m:t>
                           </m:r>
                           <m:r>
                             <a:rPr lang="en-US" sz="1600" b="0" i="0" smtClean="0">
@@ -22486,27 +22452,6 @@
                               </a:solidFill>
                               <a:latin typeface="Cambria Math" panose="02040503050406030204" pitchFamily="18" charset="0"/>
                             </a:rPr>
-                            <m:t>mol</m:t>
-                          </m:r>
-                          <m:r>
-                            <a:rPr lang="en-US" sz="1600" b="0" i="0" smtClean="0">
-                              <a:solidFill>
-                                <a:srgbClr val="FFFF00"/>
-                              </a:solidFill>
-                              <a:latin typeface="Cambria Math" panose="02040503050406030204" pitchFamily="18" charset="0"/>
-                            </a:rPr>
-                            <m:t> </m:t>
-                          </m:r>
-                          <m:r>
-                            <m:rPr>
-                              <m:sty m:val="p"/>
-                            </m:rPr>
-                            <a:rPr lang="en-US" sz="1600" b="0" i="0" smtClean="0">
-                              <a:solidFill>
-                                <a:srgbClr val="FFFF00"/>
-                              </a:solidFill>
-                              <a:latin typeface="Cambria Math" panose="02040503050406030204" pitchFamily="18" charset="0"/>
-                            </a:rPr>
                             <m:t>O</m:t>
                           </m:r>
                           <m:r>
@@ -22527,16 +22472,7 @@
                               </a:solidFill>
                               <a:latin typeface="Cambria Math" panose="02040503050406030204" pitchFamily="18" charset="0"/>
                             </a:rPr>
-                            <m:t>2</m:t>
-                          </m:r>
-                          <m:r>
-                            <a:rPr lang="en-US" sz="1600" b="0" i="0" smtClean="0">
-                              <a:solidFill>
-                                <a:srgbClr val="FFFF00"/>
-                              </a:solidFill>
-                              <a:latin typeface="Cambria Math" panose="02040503050406030204" pitchFamily="18" charset="0"/>
-                            </a:rPr>
-                            <m:t> </m:t>
+                            <m:t>2 </m:t>
                           </m:r>
                           <m:r>
                             <m:rPr>
@@ -22856,17 +22792,7 @@
                         <a:latin typeface="Cambria Math" panose="02040503050406030204" pitchFamily="18" charset="0"/>
                         <a:sym typeface="Wingdings" panose="05000000000000000000" pitchFamily="2" charset="2"/>
                       </a:rPr>
-                      <m:t>10.0</m:t>
-                    </m:r>
-                    <m:r>
-                      <a:rPr lang="en-US" sz="1600" b="0" i="0" dirty="0" smtClean="0">
-                        <a:solidFill>
-                          <a:srgbClr val="FFFF00"/>
-                        </a:solidFill>
-                        <a:latin typeface="Cambria Math" panose="02040503050406030204" pitchFamily="18" charset="0"/>
-                        <a:sym typeface="Wingdings" panose="05000000000000000000" pitchFamily="2" charset="2"/>
-                      </a:rPr>
-                      <m:t> </m:t>
+                      <m:t>10.0 </m:t>
                     </m:r>
                     <m:r>
                       <m:rPr>
@@ -22974,34 +22900,7 @@
                           </a:solidFill>
                           <a:latin typeface="Cambria Math" panose="02040503050406030204" pitchFamily="18" charset="0"/>
                         </a:rPr>
-                        <m:t>2</m:t>
-                      </m:r>
-                      <m:r>
-                        <a:rPr lang="en-US" sz="1600" i="1">
-                          <a:solidFill>
-                            <a:srgbClr val="FFFF00"/>
-                          </a:solidFill>
-                          <a:latin typeface="Cambria Math" panose="02040503050406030204" pitchFamily="18" charset="0"/>
-                        </a:rPr>
-                        <m:t>.4</m:t>
-                      </m:r>
-                      <m:r>
-                        <a:rPr lang="en-US" sz="1600" i="1">
-                          <a:solidFill>
-                            <a:srgbClr val="FFFF00"/>
-                          </a:solidFill>
-                          <a:latin typeface="Cambria Math" panose="02040503050406030204" pitchFamily="18" charset="0"/>
-                        </a:rPr>
-                        <m:t>0</m:t>
-                      </m:r>
-                      <m:r>
-                        <a:rPr lang="en-US" sz="1600" i="1">
-                          <a:solidFill>
-                            <a:srgbClr val="FFFF00"/>
-                          </a:solidFill>
-                          <a:latin typeface="Cambria Math" panose="02040503050406030204" pitchFamily="18" charset="0"/>
-                        </a:rPr>
-                        <m:t> </m:t>
+                        <m:t>2.40 </m:t>
                       </m:r>
                       <m:r>
                         <m:rPr>
@@ -23347,16 +23246,7 @@
                               </a:solidFill>
                               <a:latin typeface="Cambria Math" panose="02040503050406030204" pitchFamily="18" charset="0"/>
                             </a:rPr>
-                            <m:t>1</m:t>
-                          </m:r>
-                          <m:r>
-                            <a:rPr lang="en-US" sz="1600">
-                              <a:solidFill>
-                                <a:srgbClr val="FFFF00"/>
-                              </a:solidFill>
-                              <a:latin typeface="Cambria Math" panose="02040503050406030204" pitchFamily="18" charset="0"/>
-                            </a:rPr>
-                            <m:t> </m:t>
+                            <m:t>1 </m:t>
                           </m:r>
                           <m:r>
                             <m:rPr>
@@ -23517,7 +23407,7 @@
             </p:txBody>
           </p:sp>
         </mc:Choice>
-        <mc:Fallback>
+        <mc:Fallback xmlns="">
           <p:sp>
             <p:nvSpPr>
               <p:cNvPr id="3" name="Content Placeholder 2">
@@ -23630,8 +23520,8 @@
           </a:p>
         </p:txBody>
       </p:sp>
-      <mc:AlternateContent xmlns:mc="http://schemas.openxmlformats.org/markup-compatibility/2006">
-        <mc:Choice xmlns:a14="http://schemas.microsoft.com/office/drawing/2010/main" Requires="a14">
+      <mc:AlternateContent xmlns:mc="http://schemas.openxmlformats.org/markup-compatibility/2006" xmlns:a14="http://schemas.microsoft.com/office/drawing/2010/main">
+        <mc:Choice Requires="a14">
           <p:sp>
             <p:nvSpPr>
               <p:cNvPr id="3" name="Content Placeholder 2">
@@ -24058,16 +23948,7 @@
                           </a:solidFill>
                           <a:latin typeface="Cambria Math" panose="02040503050406030204" pitchFamily="18" charset="0"/>
                         </a:rPr>
-                        <m:t>2</m:t>
-                      </m:r>
-                      <m:r>
-                        <a:rPr lang="en-US" sz="1600" b="0" i="1" smtClean="0">
-                          <a:solidFill>
-                            <a:srgbClr val="FFFF00"/>
-                          </a:solidFill>
-                          <a:latin typeface="Cambria Math" panose="02040503050406030204" pitchFamily="18" charset="0"/>
-                        </a:rPr>
-                        <m:t>2</m:t>
+                        <m:t>22</m:t>
                       </m:r>
                       <m:r>
                         <a:rPr lang="en-US" sz="1600" i="1">
@@ -24127,19 +24008,7 @@
                           </a:solidFill>
                           <a:latin typeface="Cambria Math" panose="02040503050406030204" pitchFamily="18" charset="0"/>
                         </a:rPr>
-                        <m:t>Mg</m:t>
-                      </m:r>
-                      <m:r>
-                        <m:rPr>
-                          <m:sty m:val="p"/>
-                        </m:rPr>
-                        <a:rPr lang="en-US" sz="1600" b="0" i="0" smtClean="0">
-                          <a:solidFill>
-                            <a:srgbClr val="FFFF00"/>
-                          </a:solidFill>
-                          <a:latin typeface="Cambria Math" panose="02040503050406030204" pitchFamily="18" charset="0"/>
-                        </a:rPr>
-                        <m:t>O</m:t>
+                        <m:t>MgO</m:t>
                       </m:r>
                       <m:r>
                         <a:rPr lang="en-US" sz="1600">
@@ -24214,34 +24083,7 @@
                               </a:solidFill>
                               <a:latin typeface="Cambria Math" panose="02040503050406030204" pitchFamily="18" charset="0"/>
                             </a:rPr>
-                            <m:t>40</m:t>
-                          </m:r>
-                          <m:r>
-                            <a:rPr lang="en-US" sz="1600" b="0" i="0" smtClean="0">
-                              <a:solidFill>
-                                <a:srgbClr val="FFFF00"/>
-                              </a:solidFill>
-                              <a:latin typeface="Cambria Math" panose="02040503050406030204" pitchFamily="18" charset="0"/>
-                            </a:rPr>
-                            <m:t>.3</m:t>
-                          </m:r>
-                          <m:r>
-                            <a:rPr lang="en-US" sz="1600" b="0" i="0" smtClean="0">
-                              <a:solidFill>
-                                <a:srgbClr val="FFFF00"/>
-                              </a:solidFill>
-                              <a:latin typeface="Cambria Math" panose="02040503050406030204" pitchFamily="18" charset="0"/>
-                            </a:rPr>
-                            <m:t>04</m:t>
-                          </m:r>
-                          <m:r>
-                            <a:rPr lang="en-US" sz="1600" b="0" i="0" smtClean="0">
-                              <a:solidFill>
-                                <a:srgbClr val="FFFF00"/>
-                              </a:solidFill>
-                              <a:latin typeface="Cambria Math" panose="02040503050406030204" pitchFamily="18" charset="0"/>
-                            </a:rPr>
-                            <m:t> </m:t>
+                            <m:t>40.304 </m:t>
                           </m:r>
                           <m:r>
                             <m:rPr>
@@ -24372,16 +24214,7 @@
                               </a:solidFill>
                               <a:latin typeface="Cambria Math" panose="02040503050406030204" pitchFamily="18" charset="0"/>
                             </a:rPr>
-                            <m:t>1</m:t>
-                          </m:r>
-                          <m:r>
-                            <a:rPr lang="en-US" sz="1600" b="0" i="0" smtClean="0">
-                              <a:solidFill>
-                                <a:srgbClr val="FFFF00"/>
-                              </a:solidFill>
-                              <a:latin typeface="Cambria Math" panose="02040503050406030204" pitchFamily="18" charset="0"/>
-                            </a:rPr>
-                            <m:t> </m:t>
+                            <m:t>1 </m:t>
                           </m:r>
                           <m:r>
                             <m:rPr>
@@ -24447,43 +24280,7 @@
                               </a:solidFill>
                               <a:latin typeface="Cambria Math" panose="02040503050406030204" pitchFamily="18" charset="0"/>
                             </a:rPr>
-                            <m:t>3</m:t>
-                          </m:r>
-                          <m:r>
-                            <a:rPr lang="en-US" sz="1600" b="0" i="0" smtClean="0">
-                              <a:solidFill>
-                                <a:srgbClr val="FFFF00"/>
-                              </a:solidFill>
-                              <a:latin typeface="Cambria Math" panose="02040503050406030204" pitchFamily="18" charset="0"/>
-                            </a:rPr>
-                            <m:t>4</m:t>
-                          </m:r>
-                          <m:r>
-                            <a:rPr lang="en-US" sz="1600" b="0" i="0" smtClean="0">
-                              <a:solidFill>
-                                <a:srgbClr val="FFFF00"/>
-                              </a:solidFill>
-                              <a:latin typeface="Cambria Math" panose="02040503050406030204" pitchFamily="18" charset="0"/>
-                            </a:rPr>
-                            <m:t>.0</m:t>
-                          </m:r>
-                          <m:r>
-                            <a:rPr lang="en-US" sz="1600" b="0" i="0" smtClean="0">
-                              <a:solidFill>
-                                <a:srgbClr val="FFFF00"/>
-                              </a:solidFill>
-                              <a:latin typeface="Cambria Math" panose="02040503050406030204" pitchFamily="18" charset="0"/>
-                            </a:rPr>
-                            <m:t>82</m:t>
-                          </m:r>
-                          <m:r>
-                            <a:rPr lang="en-US" sz="1600" b="0" i="0" smtClean="0">
-                              <a:solidFill>
-                                <a:srgbClr val="FFFF00"/>
-                              </a:solidFill>
-                              <a:latin typeface="Cambria Math" panose="02040503050406030204" pitchFamily="18" charset="0"/>
-                            </a:rPr>
-                            <m:t> </m:t>
+                            <m:t>34.082 </m:t>
                           </m:r>
                           <m:r>
                             <m:rPr>
@@ -24773,47 +24570,7 @@
                         <a:latin typeface="Cambria Math" panose="02040503050406030204" pitchFamily="18" charset="0"/>
                         <a:sym typeface="Wingdings" panose="05000000000000000000" pitchFamily="2" charset="2"/>
                       </a:rPr>
-                      <m:t>1</m:t>
-                    </m:r>
-                    <m:r>
-                      <a:rPr lang="en-US" sz="1600" b="0" i="0" dirty="0" smtClean="0">
-                        <a:solidFill>
-                          <a:srgbClr val="FFFF00"/>
-                        </a:solidFill>
-                        <a:latin typeface="Cambria Math" panose="02040503050406030204" pitchFamily="18" charset="0"/>
-                        <a:sym typeface="Wingdings" panose="05000000000000000000" pitchFamily="2" charset="2"/>
-                      </a:rPr>
-                      <m:t>7</m:t>
-                    </m:r>
-                    <m:r>
-                      <a:rPr lang="en-US" sz="1600" b="0" i="0" dirty="0" smtClean="0">
-                        <a:solidFill>
-                          <a:srgbClr val="FFFF00"/>
-                        </a:solidFill>
-                        <a:latin typeface="Cambria Math" panose="02040503050406030204" pitchFamily="18" charset="0"/>
-                        <a:sym typeface="Wingdings" panose="05000000000000000000" pitchFamily="2" charset="2"/>
-                      </a:rPr>
-                      <m:t>.</m:t>
-                    </m:r>
-                    <m:r>
-                      <a:rPr lang="en-US" sz="1600" b="0" i="0" dirty="0" smtClean="0">
-                        <a:solidFill>
-                          <a:srgbClr val="FFFF00"/>
-                        </a:solidFill>
-                        <a:latin typeface="Cambria Math" panose="02040503050406030204" pitchFamily="18" charset="0"/>
-                        <a:sym typeface="Wingdings" panose="05000000000000000000" pitchFamily="2" charset="2"/>
-                      </a:rPr>
-                      <m:t>9</m:t>
-                    </m:r>
-                    <m:r>
-                      <a:rPr lang="en-US" sz="1600" b="0" i="0" dirty="0" smtClean="0">
-                        <a:solidFill>
-                          <a:srgbClr val="FFFF00"/>
-                        </a:solidFill>
-                        <a:latin typeface="Cambria Math" panose="02040503050406030204" pitchFamily="18" charset="0"/>
-                        <a:sym typeface="Wingdings" panose="05000000000000000000" pitchFamily="2" charset="2"/>
-                      </a:rPr>
-                      <m:t> </m:t>
+                      <m:t>17.9 </m:t>
                     </m:r>
                     <m:r>
                       <m:rPr>
@@ -24883,18 +24640,7 @@
                         <a:ea typeface="Cambria Math" panose="02040503050406030204" pitchFamily="18" charset="0"/>
                         <a:sym typeface="Wingdings" panose="05000000000000000000" pitchFamily="2" charset="2"/>
                       </a:rPr>
-                      <m:t> </m:t>
-                    </m:r>
-                    <m:r>
-                      <a:rPr lang="en-US" sz="1600" b="0" i="0" baseline="-25000" dirty="0" smtClean="0">
-                        <a:solidFill>
-                          <a:srgbClr val="FFFF00"/>
-                        </a:solidFill>
-                        <a:latin typeface="Cambria Math" panose="02040503050406030204" pitchFamily="18" charset="0"/>
-                        <a:ea typeface="Cambria Math" panose="02040503050406030204" pitchFamily="18" charset="0"/>
-                        <a:sym typeface="Wingdings" panose="05000000000000000000" pitchFamily="2" charset="2"/>
-                      </a:rPr>
-                      <m:t> </m:t>
+                      <m:t>  </m:t>
                     </m:r>
                     <m:r>
                       <m:rPr>
@@ -25405,16 +25151,7 @@
                               </a:solidFill>
                               <a:latin typeface="Cambria Math" panose="02040503050406030204" pitchFamily="18" charset="0"/>
                             </a:rPr>
-                            <m:t>1</m:t>
-                          </m:r>
-                          <m:r>
-                            <a:rPr lang="en-US" sz="1600">
-                              <a:solidFill>
-                                <a:srgbClr val="FFFF00"/>
-                              </a:solidFill>
-                              <a:latin typeface="Cambria Math" panose="02040503050406030204" pitchFamily="18" charset="0"/>
-                            </a:rPr>
-                            <m:t> </m:t>
+                            <m:t>1 </m:t>
                           </m:r>
                           <m:r>
                             <m:rPr>
@@ -25523,7 +25260,7 @@
                       <m:f>
                         <m:fPr>
                           <m:ctrlPr>
-                            <a:rPr lang="en-US" sz="1600">
+                            <a:rPr lang="en-US" sz="1600" i="1">
                               <a:latin typeface="Cambria Math" panose="02040503050406030204" pitchFamily="18" charset="0"/>
                             </a:rPr>
                           </m:ctrlPr>
@@ -25787,7 +25524,7 @@
             </p:txBody>
           </p:sp>
         </mc:Choice>
-        <mc:Fallback>
+        <mc:Fallback xmlns="">
           <p:sp>
             <p:nvSpPr>
               <p:cNvPr id="3" name="Content Placeholder 2">
@@ -25900,8 +25637,8 @@
           </a:p>
         </p:txBody>
       </p:sp>
-      <mc:AlternateContent xmlns:mc="http://schemas.openxmlformats.org/markup-compatibility/2006">
-        <mc:Choice xmlns:a14="http://schemas.microsoft.com/office/drawing/2010/main" Requires="a14">
+      <mc:AlternateContent xmlns:mc="http://schemas.openxmlformats.org/markup-compatibility/2006" xmlns:a14="http://schemas.microsoft.com/office/drawing/2010/main">
+        <mc:Choice Requires="a14">
           <p:sp>
             <p:nvSpPr>
               <p:cNvPr id="3" name="Content Placeholder 2">
@@ -26072,7 +25809,7 @@
                       <m:f>
                         <m:fPr>
                           <m:ctrlPr>
-                            <a:rPr lang="en-US" sz="2000">
+                            <a:rPr lang="en-US" sz="2000" i="1">
                               <a:latin typeface="Cambria Math" panose="02040503050406030204" pitchFamily="18" charset="0"/>
                             </a:rPr>
                           </m:ctrlPr>
@@ -26175,7 +25912,7 @@
             </p:txBody>
           </p:sp>
         </mc:Choice>
-        <mc:Fallback>
+        <mc:Fallback xmlns="">
           <p:sp>
             <p:nvSpPr>
               <p:cNvPr id="3" name="Content Placeholder 2">
@@ -26288,8 +26025,8 @@
           </a:p>
         </p:txBody>
       </p:sp>
-      <mc:AlternateContent xmlns:mc="http://schemas.openxmlformats.org/markup-compatibility/2006">
-        <mc:Choice xmlns:a14="http://schemas.microsoft.com/office/drawing/2010/main" Requires="a14">
+      <mc:AlternateContent xmlns:mc="http://schemas.openxmlformats.org/markup-compatibility/2006" xmlns:a14="http://schemas.microsoft.com/office/drawing/2010/main">
+        <mc:Choice Requires="a14">
           <p:sp>
             <p:nvSpPr>
               <p:cNvPr id="3" name="Content Placeholder 2">
@@ -26746,16 +26483,7 @@
                               </a:solidFill>
                               <a:latin typeface="Cambria Math" panose="02040503050406030204" pitchFamily="18" charset="0"/>
                             </a:rPr>
-                            <m:t>122.55</m:t>
-                          </m:r>
-                          <m:r>
-                            <a:rPr lang="en-US" sz="1600" b="0" i="0" smtClean="0">
-                              <a:solidFill>
-                                <a:srgbClr val="FFFF00"/>
-                              </a:solidFill>
-                              <a:latin typeface="Cambria Math" panose="02040503050406030204" pitchFamily="18" charset="0"/>
-                            </a:rPr>
-                            <m:t> </m:t>
+                            <m:t>122.55 </m:t>
                           </m:r>
                           <m:r>
                             <m:rPr>
@@ -26830,16 +26558,7 @@
                               </a:solidFill>
                               <a:latin typeface="Cambria Math" panose="02040503050406030204" pitchFamily="18" charset="0"/>
                             </a:rPr>
-                            <m:t>3</m:t>
-                          </m:r>
-                          <m:r>
-                            <a:rPr lang="en-US" sz="1600" b="0" i="0" smtClean="0">
-                              <a:solidFill>
-                                <a:srgbClr val="FFFF00"/>
-                              </a:solidFill>
-                              <a:latin typeface="Cambria Math" panose="02040503050406030204" pitchFamily="18" charset="0"/>
-                            </a:rPr>
-                            <m:t> </m:t>
+                            <m:t>3 </m:t>
                           </m:r>
                           <m:r>
                             <m:rPr>
@@ -27091,25 +26810,7 @@
                           </a:solidFill>
                           <a:latin typeface="Cambria Math" panose="02040503050406030204" pitchFamily="18" charset="0"/>
                         </a:rPr>
-                        <m:t>1</m:t>
-                      </m:r>
-                      <m:r>
-                        <a:rPr lang="en-US" sz="1600" b="0" i="1" smtClean="0">
-                          <a:solidFill>
-                            <a:srgbClr val="FFFF00"/>
-                          </a:solidFill>
-                          <a:latin typeface="Cambria Math" panose="02040503050406030204" pitchFamily="18" charset="0"/>
-                        </a:rPr>
-                        <m:t>5</m:t>
-                      </m:r>
-                      <m:r>
-                        <a:rPr lang="en-US" sz="1600" b="0" i="1" smtClean="0">
-                          <a:solidFill>
-                            <a:srgbClr val="FFFF00"/>
-                          </a:solidFill>
-                          <a:latin typeface="Cambria Math" panose="02040503050406030204" pitchFamily="18" charset="0"/>
-                        </a:rPr>
-                        <m:t>.</m:t>
+                        <m:t>15.</m:t>
                       </m:r>
                       <m:r>
                         <a:rPr lang="en-US" sz="1600" b="0" i="0" smtClean="0">
@@ -27499,16 +27200,7 @@
                           </a:solidFill>
                           <a:latin typeface="Cambria Math" panose="02040503050406030204" pitchFamily="18" charset="0"/>
                         </a:rPr>
-                        <m:t>=</m:t>
-                      </m:r>
-                      <m:r>
-                        <a:rPr lang="en-US" sz="1600" b="0" i="1" smtClean="0">
-                          <a:solidFill>
-                            <a:srgbClr val="FFFF00"/>
-                          </a:solidFill>
-                          <a:latin typeface="Cambria Math" panose="02040503050406030204" pitchFamily="18" charset="0"/>
-                        </a:rPr>
-                        <m:t>94.9%</m:t>
+                        <m:t>=94.9%</m:t>
                       </m:r>
                     </m:oMath>
                   </m:oMathPara>
@@ -27520,7 +27212,7 @@
             </p:txBody>
           </p:sp>
         </mc:Choice>
-        <mc:Fallback>
+        <mc:Fallback xmlns="">
           <p:sp>
             <p:nvSpPr>
               <p:cNvPr id="3" name="Content Placeholder 2">
@@ -27633,8 +27325,8 @@
           </a:p>
         </p:txBody>
       </p:sp>
-      <mc:AlternateContent xmlns:mc="http://schemas.openxmlformats.org/markup-compatibility/2006">
-        <mc:Choice xmlns:a14="http://schemas.microsoft.com/office/drawing/2010/main" Requires="a14">
+      <mc:AlternateContent xmlns:mc="http://schemas.openxmlformats.org/markup-compatibility/2006" xmlns:a14="http://schemas.microsoft.com/office/drawing/2010/main">
+        <mc:Choice Requires="a14">
           <p:sp>
             <p:nvSpPr>
               <p:cNvPr id="3" name="Content Placeholder 2">
@@ -28253,25 +27945,7 @@
                               </a:solidFill>
                               <a:latin typeface="Cambria Math" panose="02040503050406030204" pitchFamily="18" charset="0"/>
                             </a:rPr>
-                            <m:t>1</m:t>
-                          </m:r>
-                          <m:r>
-                            <a:rPr lang="en-US" sz="1600" b="0" i="0" smtClean="0">
-                              <a:solidFill>
-                                <a:srgbClr val="FFFF00"/>
-                              </a:solidFill>
-                              <a:latin typeface="Cambria Math" panose="02040503050406030204" pitchFamily="18" charset="0"/>
-                            </a:rPr>
-                            <m:t>53.81</m:t>
-                          </m:r>
-                          <m:r>
-                            <a:rPr lang="en-US" sz="1600" b="0" i="0" smtClean="0">
-                              <a:solidFill>
-                                <a:srgbClr val="FFFF00"/>
-                              </a:solidFill>
-                              <a:latin typeface="Cambria Math" panose="02040503050406030204" pitchFamily="18" charset="0"/>
-                            </a:rPr>
-                            <m:t> </m:t>
+                            <m:t>153.81 </m:t>
                           </m:r>
                           <m:r>
                             <m:rPr>
@@ -28346,16 +28020,7 @@
                               </a:solidFill>
                               <a:latin typeface="Cambria Math" panose="02040503050406030204" pitchFamily="18" charset="0"/>
                             </a:rPr>
-                            <m:t>1</m:t>
-                          </m:r>
-                          <m:r>
-                            <a:rPr lang="en-US" sz="1600" b="0" i="0" smtClean="0">
-                              <a:solidFill>
-                                <a:srgbClr val="FFFF00"/>
-                              </a:solidFill>
-                              <a:latin typeface="Cambria Math" panose="02040503050406030204" pitchFamily="18" charset="0"/>
-                            </a:rPr>
-                            <m:t> </m:t>
+                            <m:t>1 </m:t>
                           </m:r>
                           <m:r>
                             <m:rPr>
@@ -28429,16 +28094,7 @@
                               </a:solidFill>
                               <a:latin typeface="Cambria Math" panose="02040503050406030204" pitchFamily="18" charset="0"/>
                             </a:rPr>
-                            <m:t>1</m:t>
-                          </m:r>
-                          <m:r>
-                            <a:rPr lang="en-US" sz="1600" b="0" i="0" smtClean="0">
-                              <a:solidFill>
-                                <a:srgbClr val="FFFF00"/>
-                              </a:solidFill>
-                              <a:latin typeface="Cambria Math" panose="02040503050406030204" pitchFamily="18" charset="0"/>
-                            </a:rPr>
-                            <m:t> </m:t>
+                            <m:t>1 </m:t>
                           </m:r>
                           <m:r>
                             <m:rPr>
@@ -28513,16 +28169,7 @@
                               </a:solidFill>
                               <a:latin typeface="Cambria Math" panose="02040503050406030204" pitchFamily="18" charset="0"/>
                             </a:rPr>
-                            <m:t>120.91</m:t>
-                          </m:r>
-                          <m:r>
-                            <a:rPr lang="en-US" sz="1600" b="0" i="0" smtClean="0">
-                              <a:solidFill>
-                                <a:srgbClr val="FFFF00"/>
-                              </a:solidFill>
-                              <a:latin typeface="Cambria Math" panose="02040503050406030204" pitchFamily="18" charset="0"/>
-                            </a:rPr>
-                            <m:t> </m:t>
+                            <m:t>120.91 </m:t>
                           </m:r>
                           <m:r>
                             <m:rPr>
@@ -28862,16 +28509,7 @@
                               </a:solidFill>
                               <a:latin typeface="Cambria Math" panose="02040503050406030204" pitchFamily="18" charset="0"/>
                             </a:rPr>
-                            <m:t>12.5</m:t>
-                          </m:r>
-                          <m:r>
-                            <a:rPr lang="en-US" sz="1600" b="0" i="0" smtClean="0">
-                              <a:solidFill>
-                                <a:srgbClr val="FFFF00"/>
-                              </a:solidFill>
-                              <a:latin typeface="Cambria Math" panose="02040503050406030204" pitchFamily="18" charset="0"/>
-                            </a:rPr>
-                            <m:t> </m:t>
+                            <m:t>12.5 </m:t>
                           </m:r>
                           <m:r>
                             <m:rPr>
@@ -29168,25 +28806,7 @@
                           </a:solidFill>
                           <a:latin typeface="Cambria Math" panose="02040503050406030204" pitchFamily="18" charset="0"/>
                         </a:rPr>
-                        <m:t>=</m:t>
-                      </m:r>
-                      <m:r>
-                        <a:rPr lang="en-US" sz="1600" b="0" i="1" smtClean="0">
-                          <a:solidFill>
-                            <a:srgbClr val="FFFF00"/>
-                          </a:solidFill>
-                          <a:latin typeface="Cambria Math" panose="02040503050406030204" pitchFamily="18" charset="0"/>
-                        </a:rPr>
-                        <m:t>48.3</m:t>
-                      </m:r>
-                      <m:r>
-                        <a:rPr lang="en-US" sz="1600" b="0" i="1" smtClean="0">
-                          <a:solidFill>
-                            <a:srgbClr val="FFFF00"/>
-                          </a:solidFill>
-                          <a:latin typeface="Cambria Math" panose="02040503050406030204" pitchFamily="18" charset="0"/>
-                        </a:rPr>
-                        <m:t>%</m:t>
+                        <m:t>=48.3%</m:t>
                       </m:r>
                     </m:oMath>
                   </m:oMathPara>
@@ -29198,7 +28818,7 @@
             </p:txBody>
           </p:sp>
         </mc:Choice>
-        <mc:Fallback>
+        <mc:Fallback xmlns="">
           <p:sp>
             <p:nvSpPr>
               <p:cNvPr id="3" name="Content Placeholder 2">
@@ -32099,8 +31719,8 @@
           </a:p>
         </p:txBody>
       </p:sp>
-      <mc:AlternateContent xmlns:mc="http://schemas.openxmlformats.org/markup-compatibility/2006">
-        <mc:Choice xmlns:a14="http://schemas.microsoft.com/office/drawing/2010/main" Requires="a14">
+      <mc:AlternateContent xmlns:mc="http://schemas.openxmlformats.org/markup-compatibility/2006" xmlns:a14="http://schemas.microsoft.com/office/drawing/2010/main">
+        <mc:Choice Requires="a14">
           <p:sp>
             <p:nvSpPr>
               <p:cNvPr id="3" name="Content Placeholder 2">
@@ -33077,7 +32697,7 @@
             </p:txBody>
           </p:sp>
         </mc:Choice>
-        <mc:Fallback>
+        <mc:Fallback xmlns="">
           <p:sp>
             <p:nvSpPr>
               <p:cNvPr id="3" name="Content Placeholder 2">
